--- a/Group1/ProjectSpecification.pptx
+++ b/Group1/ProjectSpecification.pptx
@@ -14021,24 +14021,16 @@
           <a:chExt cx="0" cy="0"/>
         </a:xfrm>
       </p:grpSpPr>
-      <p:pic>
-        <p:nvPicPr>
+      <p:sp>
+        <p:nvSpPr>
           <p:cNvPr id="144" name="Google Shape;144;p33"/>
-          <p:cNvPicPr preferRelativeResize="0"/>
+          <p:cNvSpPr txBox="1"/>
           <p:nvPr/>
-        </p:nvPicPr>
-        <p:blipFill>
-          <a:blip r:embed="rId3">
-            <a:alphaModFix/>
-          </a:blip>
-          <a:stretch>
-            <a:fillRect/>
-          </a:stretch>
-        </p:blipFill>
+        </p:nvSpPr>
         <p:spPr>
           <a:xfrm>
-            <a:off x="754375" y="0"/>
-            <a:ext cx="7532374" cy="5143500"/>
+            <a:off x="1954525" y="1817375"/>
+            <a:ext cx="6583800" cy="699300"/>
           </a:xfrm>
           <a:prstGeom prst="rect">
             <a:avLst/>
@@ -14048,7 +14040,29 @@
             <a:noFill/>
           </a:ln>
         </p:spPr>
-      </p:pic>
+        <p:txBody>
+          <a:bodyPr anchorCtr="0" anchor="t" bIns="91425" lIns="91425" spcFirstLastPara="1" rIns="91425" wrap="square" tIns="91425">
+            <a:noAutofit/>
+          </a:bodyPr>
+          <a:lstStyle/>
+          <a:p>
+            <a:pPr indent="0" lvl="0" marL="0">
+              <a:spcBef>
+                <a:spcPts val="0"/>
+              </a:spcBef>
+              <a:spcAft>
+                <a:spcPts val="0"/>
+              </a:spcAft>
+              <a:buNone/>
+            </a:pPr>
+            <a:r>
+              <a:rPr lang="en-IN" sz="6000"/>
+              <a:t>THANK YOU !!</a:t>
+            </a:r>
+            <a:endParaRPr sz="6000"/>
+          </a:p>
+        </p:txBody>
+      </p:sp>
     </p:spTree>
   </p:cSld>
   <p:clrMapOvr>
@@ -14058,9 +14072,9 @@
 </file>
 
 <file path=ppt/theme/theme1.xml><?xml version="1.0" encoding="utf-8"?>
-<a:theme xmlns:a="http://schemas.openxmlformats.org/drawingml/2006/main" xmlns:r="http://schemas.openxmlformats.org/officeDocument/2006/relationships" name="Office Theme">
+<a:theme xmlns:a="http://schemas.openxmlformats.org/drawingml/2006/main" xmlns:r="http://schemas.openxmlformats.org/officeDocument/2006/relationships">
   <a:themeElements>
-    <a:clrScheme name="Office">
+    <a:clrScheme name="Default">
       <a:dk1>
         <a:srgbClr val="000000"/>
       </a:dk1>
@@ -14068,34 +14082,34 @@
         <a:srgbClr val="FFFFFF"/>
       </a:lt1>
       <a:dk2>
-        <a:srgbClr val="1F497D"/>
+        <a:srgbClr val="158158"/>
       </a:dk2>
       <a:lt2>
-        <a:srgbClr val="EEECE1"/>
+        <a:srgbClr val="F3F3F3"/>
       </a:lt2>
       <a:accent1>
-        <a:srgbClr val="4F81BD"/>
+        <a:srgbClr val="058DC7"/>
       </a:accent1>
       <a:accent2>
-        <a:srgbClr val="C0504D"/>
+        <a:srgbClr val="50B432"/>
       </a:accent2>
       <a:accent3>
-        <a:srgbClr val="9BBB59"/>
+        <a:srgbClr val="ED561B"/>
       </a:accent3>
       <a:accent4>
-        <a:srgbClr val="8064A2"/>
+        <a:srgbClr val="EDEF00"/>
       </a:accent4>
       <a:accent5>
-        <a:srgbClr val="4BACC6"/>
+        <a:srgbClr val="24CBE5"/>
       </a:accent5>
       <a:accent6>
-        <a:srgbClr val="F79646"/>
+        <a:srgbClr val="64E572"/>
       </a:accent6>
       <a:hlink>
-        <a:srgbClr val="0000FF"/>
+        <a:srgbClr val="2200CC"/>
       </a:hlink>
       <a:folHlink>
-        <a:srgbClr val="800080"/>
+        <a:srgbClr val="551A8B"/>
       </a:folHlink>
     </a:clrScheme>
     <a:fontScheme name="Office">
@@ -14337,9 +14351,9 @@
 </file>
 
 <file path=ppt/theme/theme2.xml><?xml version="1.0" encoding="utf-8"?>
-<a:theme xmlns:a="http://schemas.openxmlformats.org/drawingml/2006/main" xmlns:r="http://schemas.openxmlformats.org/officeDocument/2006/relationships">
+<a:theme xmlns:a="http://schemas.openxmlformats.org/drawingml/2006/main" xmlns:r="http://schemas.openxmlformats.org/officeDocument/2006/relationships" name="Office Theme">
   <a:themeElements>
-    <a:clrScheme name="Default">
+    <a:clrScheme name="Office">
       <a:dk1>
         <a:srgbClr val="000000"/>
       </a:dk1>
@@ -14347,34 +14361,34 @@
         <a:srgbClr val="FFFFFF"/>
       </a:lt1>
       <a:dk2>
-        <a:srgbClr val="158158"/>
+        <a:srgbClr val="1F497D"/>
       </a:dk2>
       <a:lt2>
-        <a:srgbClr val="F3F3F3"/>
+        <a:srgbClr val="EEECE1"/>
       </a:lt2>
       <a:accent1>
-        <a:srgbClr val="058DC7"/>
+        <a:srgbClr val="4F81BD"/>
       </a:accent1>
       <a:accent2>
-        <a:srgbClr val="50B432"/>
+        <a:srgbClr val="C0504D"/>
       </a:accent2>
       <a:accent3>
-        <a:srgbClr val="ED561B"/>
+        <a:srgbClr val="9BBB59"/>
       </a:accent3>
       <a:accent4>
-        <a:srgbClr val="EDEF00"/>
+        <a:srgbClr val="8064A2"/>
       </a:accent4>
       <a:accent5>
-        <a:srgbClr val="24CBE5"/>
+        <a:srgbClr val="4BACC6"/>
       </a:accent5>
       <a:accent6>
-        <a:srgbClr val="64E572"/>
+        <a:srgbClr val="F79646"/>
       </a:accent6>
       <a:hlink>
-        <a:srgbClr val="2200CC"/>
+        <a:srgbClr val="0000FF"/>
       </a:hlink>
       <a:folHlink>
-        <a:srgbClr val="551A8B"/>
+        <a:srgbClr val="800080"/>
       </a:folHlink>
     </a:clrScheme>
     <a:fontScheme name="Office">
